--- a/docs/slides/PSYC761_L5_MultipleRegression3.pptx
+++ b/docs/slides/PSYC761_L5_MultipleRegression3.pptx
@@ -164,7 +164,7 @@
 <file path=ppt/revisionInfo.xml><?xml version="1.0" encoding="utf-8"?>
 <p1510:revInfo xmlns:a="http://schemas.openxmlformats.org/drawingml/2006/main" xmlns:r="http://schemas.openxmlformats.org/officeDocument/2006/relationships" xmlns:p1510="http://schemas.microsoft.com/office/powerpoint/2015/10/main">
   <p1510:revLst>
-    <p1510:client id="{13C828DD-EA06-4BC7-874E-A5ADC0989018}" v="1" dt="2023-12-01T15:45:44.185"/>
+    <p1510:client id="{7DD1942C-6FDB-49C4-BCC2-3B77D9692BFF}" v="1" dt="2024-01-15T16:10:12.240"/>
   </p1510:revLst>
 </p1510:revInfo>
 </file>
@@ -494,6 +494,54 @@
       </pc:sldChg>
     </pc:docChg>
   </pc:docChgLst>
+  <pc:docChgLst>
+    <pc:chgData name="Christopher Berry" userId="468ae48a-5539-4b21-98ea-6081f4d86140" providerId="ADAL" clId="{7DD1942C-6FDB-49C4-BCC2-3B77D9692BFF}"/>
+    <pc:docChg chg="modSld">
+      <pc:chgData name="Christopher Berry" userId="468ae48a-5539-4b21-98ea-6081f4d86140" providerId="ADAL" clId="{7DD1942C-6FDB-49C4-BCC2-3B77D9692BFF}" dt="2024-01-15T16:10:12.240" v="0"/>
+      <pc:docMkLst>
+        <pc:docMk/>
+      </pc:docMkLst>
+      <pc:sldChg chg="addSp modSp">
+        <pc:chgData name="Christopher Berry" userId="468ae48a-5539-4b21-98ea-6081f4d86140" providerId="ADAL" clId="{7DD1942C-6FDB-49C4-BCC2-3B77D9692BFF}" dt="2024-01-15T16:10:12.240" v="0"/>
+        <pc:sldMkLst>
+          <pc:docMk/>
+          <pc:sldMk cId="1337738250" sldId="257"/>
+        </pc:sldMkLst>
+        <pc:spChg chg="add mod">
+          <ac:chgData name="Christopher Berry" userId="468ae48a-5539-4b21-98ea-6081f4d86140" providerId="ADAL" clId="{7DD1942C-6FDB-49C4-BCC2-3B77D9692BFF}" dt="2024-01-15T16:10:12.240" v="0"/>
+          <ac:spMkLst>
+            <pc:docMk/>
+            <pc:sldMk cId="1337738250" sldId="257"/>
+            <ac:spMk id="5" creationId="{DB85E0F7-08AA-9327-62ED-F019B9822327}"/>
+          </ac:spMkLst>
+        </pc:spChg>
+        <pc:spChg chg="add mod">
+          <ac:chgData name="Christopher Berry" userId="468ae48a-5539-4b21-98ea-6081f4d86140" providerId="ADAL" clId="{7DD1942C-6FDB-49C4-BCC2-3B77D9692BFF}" dt="2024-01-15T16:10:12.240" v="0"/>
+          <ac:spMkLst>
+            <pc:docMk/>
+            <pc:sldMk cId="1337738250" sldId="257"/>
+            <ac:spMk id="6" creationId="{61A605B1-693B-191F-DA7C-72B14EA31F3E}"/>
+          </ac:spMkLst>
+        </pc:spChg>
+        <pc:picChg chg="add mod">
+          <ac:chgData name="Christopher Berry" userId="468ae48a-5539-4b21-98ea-6081f4d86140" providerId="ADAL" clId="{7DD1942C-6FDB-49C4-BCC2-3B77D9692BFF}" dt="2024-01-15T16:10:12.240" v="0"/>
+          <ac:picMkLst>
+            <pc:docMk/>
+            <pc:sldMk cId="1337738250" sldId="257"/>
+            <ac:picMk id="7" creationId="{F112A1F0-CAD8-48C7-8DFE-B74C258F6FBD}"/>
+          </ac:picMkLst>
+        </pc:picChg>
+        <pc:picChg chg="add mod">
+          <ac:chgData name="Christopher Berry" userId="468ae48a-5539-4b21-98ea-6081f4d86140" providerId="ADAL" clId="{7DD1942C-6FDB-49C4-BCC2-3B77D9692BFF}" dt="2024-01-15T16:10:12.240" v="0"/>
+          <ac:picMkLst>
+            <pc:docMk/>
+            <pc:sldMk cId="1337738250" sldId="257"/>
+            <ac:picMk id="8" creationId="{5A2B9257-21A0-4B2C-7DFF-7F0161FCA9AF}"/>
+          </ac:picMkLst>
+        </pc:picChg>
+      </pc:sldChg>
+    </pc:docChg>
+  </pc:docChgLst>
 </pc:chgInfo>
 </file>
 
@@ -579,7 +627,7 @@
           <a:p>
             <a:fld id="{39F2F66B-899D-484E-9C99-E1DBE23F9DE9}" type="datetimeFigureOut">
               <a:rPr lang="en-GB" smtClean="0"/>
-              <a:t>01/12/2023</a:t>
+              <a:t>15/01/2024</a:t>
             </a:fld>
             <a:endParaRPr lang="en-GB"/>
           </a:p>
@@ -745,7 +793,7 @@
             <a:fld id="{2C09A945-60CF-41CC-BF14-DA645D9ABE0F}" type="datetimeFigureOut">
               <a:rPr lang="en-GB" smtClean="0"/>
               <a:pPr/>
-              <a:t>01/12/2023</a:t>
+              <a:t>15/01/2024</a:t>
             </a:fld>
             <a:endParaRPr lang="en-GB"/>
           </a:p>
@@ -2740,7 +2788,7 @@
             <a:fld id="{FD207E47-C1CA-47C9-BFA1-FDEFD1CE1BAA}" type="datetime1">
               <a:rPr lang="en-US" smtClean="0"/>
               <a:pPr/>
-              <a:t>12/1/2023</a:t>
+              <a:t>1/15/2024</a:t>
             </a:fld>
             <a:endParaRPr lang="en-US"/>
           </a:p>
@@ -2905,7 +2953,7 @@
             <a:fld id="{58C692B5-BE86-445D-88C0-242C83A9421E}" type="datetime1">
               <a:rPr lang="en-US" smtClean="0"/>
               <a:pPr/>
-              <a:t>12/1/2023</a:t>
+              <a:t>1/15/2024</a:t>
             </a:fld>
             <a:endParaRPr lang="en-US"/>
           </a:p>
@@ -3080,7 +3128,7 @@
             <a:fld id="{6A70B350-EB04-4702-A2C6-BB029CC917C4}" type="datetime1">
               <a:rPr lang="en-US" smtClean="0"/>
               <a:pPr/>
-              <a:t>12/1/2023</a:t>
+              <a:t>1/15/2024</a:t>
             </a:fld>
             <a:endParaRPr lang="en-US"/>
           </a:p>
@@ -3274,7 +3322,7 @@
               <a:pPr>
                 <a:defRPr/>
               </a:pPr>
-              <a:t>01/12/2023</a:t>
+              <a:t>15/01/2024</a:t>
             </a:fld>
             <a:endParaRPr lang="en-GB"/>
           </a:p>
@@ -3459,7 +3507,7 @@
               <a:pPr>
                 <a:defRPr/>
               </a:pPr>
-              <a:t>01/12/2023</a:t>
+              <a:t>15/01/2024</a:t>
             </a:fld>
             <a:endParaRPr lang="en-GB"/>
           </a:p>
@@ -3720,7 +3768,7 @@
               <a:pPr>
                 <a:defRPr/>
               </a:pPr>
-              <a:t>01/12/2023</a:t>
+              <a:t>15/01/2024</a:t>
             </a:fld>
             <a:endParaRPr lang="en-GB"/>
           </a:p>
@@ -3967,7 +4015,7 @@
               <a:pPr>
                 <a:defRPr/>
               </a:pPr>
-              <a:t>01/12/2023</a:t>
+              <a:t>15/01/2024</a:t>
             </a:fld>
             <a:endParaRPr lang="en-GB"/>
           </a:p>
@@ -4349,7 +4397,7 @@
               <a:pPr>
                 <a:defRPr/>
               </a:pPr>
-              <a:t>01/12/2023</a:t>
+              <a:t>15/01/2024</a:t>
             </a:fld>
             <a:endParaRPr lang="en-GB"/>
           </a:p>
@@ -4482,7 +4530,7 @@
               <a:pPr>
                 <a:defRPr/>
               </a:pPr>
-              <a:t>01/12/2023</a:t>
+              <a:t>15/01/2024</a:t>
             </a:fld>
             <a:endParaRPr lang="en-GB"/>
           </a:p>
@@ -4592,7 +4640,7 @@
               <a:pPr>
                 <a:defRPr/>
               </a:pPr>
-              <a:t>01/12/2023</a:t>
+              <a:t>15/01/2024</a:t>
             </a:fld>
             <a:endParaRPr lang="en-GB"/>
           </a:p>
@@ -4884,7 +4932,7 @@
               <a:pPr>
                 <a:defRPr/>
               </a:pPr>
-              <a:t>01/12/2023</a:t>
+              <a:t>15/01/2024</a:t>
             </a:fld>
             <a:endParaRPr lang="en-GB"/>
           </a:p>
@@ -5062,7 +5110,7 @@
             <a:fld id="{B19C5C7B-1CCF-4D03-A2E8-D3591213E0F6}" type="datetime1">
               <a:rPr lang="en-US" smtClean="0"/>
               <a:pPr/>
-              <a:t>12/1/2023</a:t>
+              <a:t>1/15/2024</a:t>
             </a:fld>
             <a:endParaRPr lang="en-US"/>
           </a:p>
@@ -5321,7 +5369,7 @@
               <a:pPr>
                 <a:defRPr/>
               </a:pPr>
-              <a:t>01/12/2023</a:t>
+              <a:t>15/01/2024</a:t>
             </a:fld>
             <a:endParaRPr lang="en-GB"/>
           </a:p>
@@ -5506,7 +5554,7 @@
               <a:pPr>
                 <a:defRPr/>
               </a:pPr>
-              <a:t>01/12/2023</a:t>
+              <a:t>15/01/2024</a:t>
             </a:fld>
             <a:endParaRPr lang="en-GB"/>
           </a:p>
@@ -5701,7 +5749,7 @@
               <a:pPr>
                 <a:defRPr/>
               </a:pPr>
-              <a:t>01/12/2023</a:t>
+              <a:t>15/01/2024</a:t>
             </a:fld>
             <a:endParaRPr lang="en-GB"/>
           </a:p>
@@ -5960,7 +6008,7 @@
               <a:pPr>
                 <a:defRPr/>
               </a:pPr>
-              <a:t>12/1/2023</a:t>
+              <a:t>1/15/2024</a:t>
             </a:fld>
             <a:endParaRPr lang="en-US"/>
           </a:p>
@@ -6155,7 +6203,7 @@
               <a:pPr>
                 <a:defRPr/>
               </a:pPr>
-              <a:t>12/1/2023</a:t>
+              <a:t>1/15/2024</a:t>
             </a:fld>
             <a:endParaRPr lang="en-US"/>
           </a:p>
@@ -6427,7 +6475,7 @@
               <a:pPr>
                 <a:defRPr/>
               </a:pPr>
-              <a:t>12/1/2023</a:t>
+              <a:t>1/15/2024</a:t>
             </a:fld>
             <a:endParaRPr lang="en-US"/>
           </a:p>
@@ -6739,7 +6787,7 @@
               <a:pPr>
                 <a:defRPr/>
               </a:pPr>
-              <a:t>12/1/2023</a:t>
+              <a:t>1/15/2024</a:t>
             </a:fld>
             <a:endParaRPr lang="en-US"/>
           </a:p>
@@ -7185,7 +7233,7 @@
               <a:pPr>
                 <a:defRPr/>
               </a:pPr>
-              <a:t>12/1/2023</a:t>
+              <a:t>1/15/2024</a:t>
             </a:fld>
             <a:endParaRPr lang="en-US"/>
           </a:p>
@@ -7329,7 +7377,7 @@
               <a:pPr>
                 <a:defRPr/>
               </a:pPr>
-              <a:t>12/1/2023</a:t>
+              <a:t>1/15/2024</a:t>
             </a:fld>
             <a:endParaRPr lang="en-US"/>
           </a:p>
@@ -7451,7 +7499,7 @@
               <a:pPr>
                 <a:defRPr/>
               </a:pPr>
-              <a:t>12/1/2023</a:t>
+              <a:t>1/15/2024</a:t>
             </a:fld>
             <a:endParaRPr lang="en-US"/>
           </a:p>
@@ -7714,7 +7762,7 @@
             <a:fld id="{617DE08F-8114-45C2-9520-EC1882F8A669}" type="datetime1">
               <a:rPr lang="en-US" smtClean="0"/>
               <a:pPr/>
-              <a:t>12/1/2023</a:t>
+              <a:t>1/15/2024</a:t>
             </a:fld>
             <a:endParaRPr lang="en-US"/>
           </a:p>
@@ -7995,7 +8043,7 @@
               <a:pPr>
                 <a:defRPr/>
               </a:pPr>
-              <a:t>12/1/2023</a:t>
+              <a:t>1/15/2024</a:t>
             </a:fld>
             <a:endParaRPr lang="en-US"/>
           </a:p>
@@ -8277,7 +8325,7 @@
               <a:pPr>
                 <a:defRPr/>
               </a:pPr>
-              <a:t>12/1/2023</a:t>
+              <a:t>1/15/2024</a:t>
             </a:fld>
             <a:endParaRPr lang="en-US"/>
           </a:p>
@@ -8472,7 +8520,7 @@
               <a:pPr>
                 <a:defRPr/>
               </a:pPr>
-              <a:t>12/1/2023</a:t>
+              <a:t>1/15/2024</a:t>
             </a:fld>
             <a:endParaRPr lang="en-US"/>
           </a:p>
@@ -8677,7 +8725,7 @@
               <a:pPr>
                 <a:defRPr/>
               </a:pPr>
-              <a:t>12/1/2023</a:t>
+              <a:t>1/15/2024</a:t>
             </a:fld>
             <a:endParaRPr lang="en-US"/>
           </a:p>
@@ -8980,7 +9028,7 @@
             <a:fld id="{67FBBCEA-51D6-4D4F-B700-EBDD8904452C}" type="datetime1">
               <a:rPr lang="en-US" smtClean="0"/>
               <a:pPr/>
-              <a:t>12/1/2023</a:t>
+              <a:t>1/15/2024</a:t>
             </a:fld>
             <a:endParaRPr lang="en-US"/>
           </a:p>
@@ -9396,7 +9444,7 @@
             <a:fld id="{7C3355C0-4DE2-42D1-B918-7B0FCE7481FD}" type="datetime1">
               <a:rPr lang="en-US" smtClean="0"/>
               <a:pPr/>
-              <a:t>12/1/2023</a:t>
+              <a:t>1/15/2024</a:t>
             </a:fld>
             <a:endParaRPr lang="en-US"/>
           </a:p>
@@ -9510,7 +9558,7 @@
             <a:fld id="{41F9056E-53B5-467C-A68C-D5DD1F771BB5}" type="datetime1">
               <a:rPr lang="en-US" smtClean="0"/>
               <a:pPr/>
-              <a:t>12/1/2023</a:t>
+              <a:t>1/15/2024</a:t>
             </a:fld>
             <a:endParaRPr lang="en-US"/>
           </a:p>
@@ -9602,7 +9650,7 @@
             <a:fld id="{73236B7C-1414-4D49-8A59-8F56128C501B}" type="datetime1">
               <a:rPr lang="en-US" smtClean="0"/>
               <a:pPr/>
-              <a:t>12/1/2023</a:t>
+              <a:t>1/15/2024</a:t>
             </a:fld>
             <a:endParaRPr lang="en-US"/>
           </a:p>
@@ -9874,7 +9922,7 @@
             <a:fld id="{A40AEADC-23C0-4767-9AD7-3E7B6C343A0A}" type="datetime1">
               <a:rPr lang="en-US" smtClean="0"/>
               <a:pPr/>
-              <a:t>12/1/2023</a:t>
+              <a:t>1/15/2024</a:t>
             </a:fld>
             <a:endParaRPr lang="en-US"/>
           </a:p>
@@ -10123,7 +10171,7 @@
             <a:fld id="{07762B3B-4AFD-4E39-B6F8-E1A2354BA336}" type="datetime1">
               <a:rPr lang="en-US" smtClean="0"/>
               <a:pPr/>
-              <a:t>12/1/2023</a:t>
+              <a:t>1/15/2024</a:t>
             </a:fld>
             <a:endParaRPr lang="en-US"/>
           </a:p>
@@ -10336,7 +10384,7 @@
             <a:fld id="{16C4ABC6-3BA1-4854-92CA-2B0133ECAB44}" type="datetime1">
               <a:rPr lang="en-US" smtClean="0"/>
               <a:pPr/>
-              <a:t>12/1/2023</a:t>
+              <a:t>1/15/2024</a:t>
             </a:fld>
             <a:endParaRPr lang="en-US"/>
           </a:p>
@@ -10854,7 +10902,7 @@
               <a:pPr>
                 <a:defRPr/>
               </a:pPr>
-              <a:t>12/1/2023</a:t>
+              <a:t>1/15/2024</a:t>
             </a:fld>
             <a:endParaRPr lang="en-US"/>
           </a:p>
@@ -11464,7 +11512,7 @@
               <a:pPr>
                 <a:defRPr/>
               </a:pPr>
-              <a:t>12/1/2023</a:t>
+              <a:t>1/15/2024</a:t>
             </a:fld>
             <a:endParaRPr lang="en-US"/>
           </a:p>
@@ -12159,6 +12207,764 @@
           </a:p>
         </p:txBody>
       </p:sp>
+      <p:sp>
+        <p:nvSpPr>
+          <p:cNvPr id="5" name="Content Placeholder 2">
+            <a:extLst>
+              <a:ext uri="{FF2B5EF4-FFF2-40B4-BE49-F238E27FC236}">
+                <a16:creationId xmlns:a16="http://schemas.microsoft.com/office/drawing/2014/main" id="{DB85E0F7-08AA-9327-62ED-F019B9822327}"/>
+              </a:ext>
+            </a:extLst>
+          </p:cNvPr>
+          <p:cNvSpPr txBox="1">
+            <a:spLocks/>
+          </p:cNvSpPr>
+          <p:nvPr/>
+        </p:nvSpPr>
+        <p:spPr>
+          <a:xfrm>
+            <a:off x="3027939" y="5267001"/>
+            <a:ext cx="3265095" cy="1057599"/>
+          </a:xfrm>
+          <a:prstGeom prst="rect">
+            <a:avLst/>
+          </a:prstGeom>
+        </p:spPr>
+        <p:txBody>
+          <a:bodyPr vert="horz" lIns="91440" tIns="45720" rIns="91440" bIns="45720" rtlCol="0">
+            <a:noAutofit/>
+          </a:bodyPr>
+          <a:lstStyle>
+            <a:lvl1pPr marL="228600" indent="-228600" algn="l" defTabSz="914400" rtl="0" eaLnBrk="1" latinLnBrk="0" hangingPunct="1">
+              <a:lnSpc>
+                <a:spcPct val="90000"/>
+              </a:lnSpc>
+              <a:spcBef>
+                <a:spcPts val="1000"/>
+              </a:spcBef>
+              <a:buFont typeface="Arial" panose="020B0604020202020204" pitchFamily="34" charset="0"/>
+              <a:buChar char="•"/>
+              <a:defRPr sz="2800" kern="1200">
+                <a:solidFill>
+                  <a:schemeClr val="tx1"/>
+                </a:solidFill>
+                <a:latin typeface="+mn-lt"/>
+                <a:ea typeface="+mn-ea"/>
+                <a:cs typeface="+mn-cs"/>
+              </a:defRPr>
+            </a:lvl1pPr>
+            <a:lvl2pPr marL="685800" indent="-228600" algn="l" defTabSz="914400" rtl="0" eaLnBrk="1" latinLnBrk="0" hangingPunct="1">
+              <a:lnSpc>
+                <a:spcPct val="90000"/>
+              </a:lnSpc>
+              <a:spcBef>
+                <a:spcPts val="500"/>
+              </a:spcBef>
+              <a:buFont typeface="Arial" panose="020B0604020202020204" pitchFamily="34" charset="0"/>
+              <a:buChar char="•"/>
+              <a:defRPr sz="2400" kern="1200">
+                <a:solidFill>
+                  <a:schemeClr val="tx1"/>
+                </a:solidFill>
+                <a:latin typeface="+mn-lt"/>
+                <a:ea typeface="+mn-ea"/>
+                <a:cs typeface="+mn-cs"/>
+              </a:defRPr>
+            </a:lvl2pPr>
+            <a:lvl3pPr marL="1143000" indent="-228600" algn="l" defTabSz="914400" rtl="0" eaLnBrk="1" latinLnBrk="0" hangingPunct="1">
+              <a:lnSpc>
+                <a:spcPct val="90000"/>
+              </a:lnSpc>
+              <a:spcBef>
+                <a:spcPts val="500"/>
+              </a:spcBef>
+              <a:buFont typeface="Arial" panose="020B0604020202020204" pitchFamily="34" charset="0"/>
+              <a:buChar char="•"/>
+              <a:defRPr sz="2000" kern="1200">
+                <a:solidFill>
+                  <a:schemeClr val="tx1"/>
+                </a:solidFill>
+                <a:latin typeface="+mn-lt"/>
+                <a:ea typeface="+mn-ea"/>
+                <a:cs typeface="+mn-cs"/>
+              </a:defRPr>
+            </a:lvl3pPr>
+            <a:lvl4pPr marL="1600200" indent="-228600" algn="l" defTabSz="914400" rtl="0" eaLnBrk="1" latinLnBrk="0" hangingPunct="1">
+              <a:lnSpc>
+                <a:spcPct val="90000"/>
+              </a:lnSpc>
+              <a:spcBef>
+                <a:spcPts val="500"/>
+              </a:spcBef>
+              <a:buFont typeface="Arial" panose="020B0604020202020204" pitchFamily="34" charset="0"/>
+              <a:buChar char="•"/>
+              <a:defRPr sz="1800" kern="1200">
+                <a:solidFill>
+                  <a:schemeClr val="tx1"/>
+                </a:solidFill>
+                <a:latin typeface="+mn-lt"/>
+                <a:ea typeface="+mn-ea"/>
+                <a:cs typeface="+mn-cs"/>
+              </a:defRPr>
+            </a:lvl4pPr>
+            <a:lvl5pPr marL="2057400" indent="-228600" algn="l" defTabSz="914400" rtl="0" eaLnBrk="1" latinLnBrk="0" hangingPunct="1">
+              <a:lnSpc>
+                <a:spcPct val="90000"/>
+              </a:lnSpc>
+              <a:spcBef>
+                <a:spcPts val="500"/>
+              </a:spcBef>
+              <a:buFont typeface="Arial" panose="020B0604020202020204" pitchFamily="34" charset="0"/>
+              <a:buChar char="•"/>
+              <a:defRPr sz="1800" kern="1200">
+                <a:solidFill>
+                  <a:schemeClr val="tx1"/>
+                </a:solidFill>
+                <a:latin typeface="+mn-lt"/>
+                <a:ea typeface="+mn-ea"/>
+                <a:cs typeface="+mn-cs"/>
+              </a:defRPr>
+            </a:lvl5pPr>
+            <a:lvl6pPr marL="2514600" indent="-228600" algn="l" defTabSz="914400" rtl="0" eaLnBrk="1" latinLnBrk="0" hangingPunct="1">
+              <a:lnSpc>
+                <a:spcPct val="90000"/>
+              </a:lnSpc>
+              <a:spcBef>
+                <a:spcPts val="500"/>
+              </a:spcBef>
+              <a:buFont typeface="Arial" panose="020B0604020202020204" pitchFamily="34" charset="0"/>
+              <a:buChar char="•"/>
+              <a:defRPr sz="1800" kern="1200">
+                <a:solidFill>
+                  <a:schemeClr val="tx1"/>
+                </a:solidFill>
+                <a:latin typeface="+mn-lt"/>
+                <a:ea typeface="+mn-ea"/>
+                <a:cs typeface="+mn-cs"/>
+              </a:defRPr>
+            </a:lvl6pPr>
+            <a:lvl7pPr marL="2971800" indent="-228600" algn="l" defTabSz="914400" rtl="0" eaLnBrk="1" latinLnBrk="0" hangingPunct="1">
+              <a:lnSpc>
+                <a:spcPct val="90000"/>
+              </a:lnSpc>
+              <a:spcBef>
+                <a:spcPts val="500"/>
+              </a:spcBef>
+              <a:buFont typeface="Arial" panose="020B0604020202020204" pitchFamily="34" charset="0"/>
+              <a:buChar char="•"/>
+              <a:defRPr sz="1800" kern="1200">
+                <a:solidFill>
+                  <a:schemeClr val="tx1"/>
+                </a:solidFill>
+                <a:latin typeface="+mn-lt"/>
+                <a:ea typeface="+mn-ea"/>
+                <a:cs typeface="+mn-cs"/>
+              </a:defRPr>
+            </a:lvl7pPr>
+            <a:lvl8pPr marL="3429000" indent="-228600" algn="l" defTabSz="914400" rtl="0" eaLnBrk="1" latinLnBrk="0" hangingPunct="1">
+              <a:lnSpc>
+                <a:spcPct val="90000"/>
+              </a:lnSpc>
+              <a:spcBef>
+                <a:spcPts val="500"/>
+              </a:spcBef>
+              <a:buFont typeface="Arial" panose="020B0604020202020204" pitchFamily="34" charset="0"/>
+              <a:buChar char="•"/>
+              <a:defRPr sz="1800" kern="1200">
+                <a:solidFill>
+                  <a:schemeClr val="tx1"/>
+                </a:solidFill>
+                <a:latin typeface="+mn-lt"/>
+                <a:ea typeface="+mn-ea"/>
+                <a:cs typeface="+mn-cs"/>
+              </a:defRPr>
+            </a:lvl8pPr>
+            <a:lvl9pPr marL="3886200" indent="-228600" algn="l" defTabSz="914400" rtl="0" eaLnBrk="1" latinLnBrk="0" hangingPunct="1">
+              <a:lnSpc>
+                <a:spcPct val="90000"/>
+              </a:lnSpc>
+              <a:spcBef>
+                <a:spcPts val="500"/>
+              </a:spcBef>
+              <a:buFont typeface="Arial" panose="020B0604020202020204" pitchFamily="34" charset="0"/>
+              <a:buChar char="•"/>
+              <a:defRPr sz="1800" kern="1200">
+                <a:solidFill>
+                  <a:schemeClr val="tx1"/>
+                </a:solidFill>
+                <a:latin typeface="+mn-lt"/>
+                <a:ea typeface="+mn-ea"/>
+                <a:cs typeface="+mn-cs"/>
+              </a:defRPr>
+            </a:lvl9pPr>
+          </a:lstStyle>
+          <a:p>
+            <a:pPr marL="0" marR="0" lvl="0" indent="0" algn="l" defTabSz="914400" rtl="0" eaLnBrk="1" fontAlgn="auto" latinLnBrk="0" hangingPunct="1">
+              <a:lnSpc>
+                <a:spcPct val="100000"/>
+              </a:lnSpc>
+              <a:spcBef>
+                <a:spcPts val="0"/>
+              </a:spcBef>
+              <a:spcAft>
+                <a:spcPts val="0"/>
+              </a:spcAft>
+              <a:buClrTx/>
+              <a:buSzTx/>
+              <a:buFont typeface="Arial" panose="020B0604020202020204" pitchFamily="34" charset="0"/>
+              <a:buNone/>
+              <a:tabLst/>
+              <a:defRPr/>
+            </a:pPr>
+            <a:r>
+              <a:rPr kumimoji="0" lang="en-GB" sz="2000" b="0" i="1" u="none" strike="noStrike" kern="1200" cap="none" spc="0" normalizeH="0" baseline="0" noProof="0">
+                <a:ln>
+                  <a:noFill/>
+                </a:ln>
+                <a:solidFill>
+                  <a:sysClr val="windowText" lastClr="000000"/>
+                </a:solidFill>
+                <a:effectLst/>
+                <a:uLnTx/>
+                <a:uFillTx/>
+                <a:latin typeface="Calibri" panose="020F0502020204030204"/>
+                <a:ea typeface="+mn-ea"/>
+                <a:cs typeface="+mn-cs"/>
+              </a:rPr>
+              <a:t>Book an office appointment:</a:t>
+            </a:r>
+          </a:p>
+          <a:p>
+            <a:pPr marL="0" marR="0" lvl="0" indent="0" algn="l" defTabSz="914400" rtl="0" eaLnBrk="1" fontAlgn="auto" latinLnBrk="0" hangingPunct="1">
+              <a:lnSpc>
+                <a:spcPct val="100000"/>
+              </a:lnSpc>
+              <a:spcBef>
+                <a:spcPts val="0"/>
+              </a:spcBef>
+              <a:spcAft>
+                <a:spcPts val="0"/>
+              </a:spcAft>
+              <a:buClrTx/>
+              <a:buSzTx/>
+              <a:buFont typeface="Arial" panose="020B0604020202020204" pitchFamily="34" charset="0"/>
+              <a:buNone/>
+              <a:tabLst/>
+              <a:defRPr/>
+            </a:pPr>
+            <a:r>
+              <a:rPr kumimoji="0" lang="en-GB" sz="2000" b="0" i="0" u="none" strike="noStrike" kern="1200" cap="none" spc="0" normalizeH="0" baseline="0" noProof="0">
+                <a:ln>
+                  <a:noFill/>
+                </a:ln>
+                <a:solidFill>
+                  <a:sysClr val="windowText" lastClr="000000"/>
+                </a:solidFill>
+                <a:effectLst/>
+                <a:uLnTx/>
+                <a:uFillTx/>
+                <a:latin typeface="Calibri" panose="020F0502020204030204"/>
+                <a:ea typeface="+mn-ea"/>
+                <a:cs typeface="+mn-cs"/>
+              </a:rPr>
+              <a:t>Usually Tue and Fri 1-2pm</a:t>
+            </a:r>
+          </a:p>
+          <a:p>
+            <a:pPr marL="0" marR="0" lvl="0" indent="0" algn="l" defTabSz="914400" rtl="0" eaLnBrk="1" fontAlgn="auto" latinLnBrk="0" hangingPunct="1">
+              <a:lnSpc>
+                <a:spcPct val="100000"/>
+              </a:lnSpc>
+              <a:spcBef>
+                <a:spcPts val="0"/>
+              </a:spcBef>
+              <a:spcAft>
+                <a:spcPts val="0"/>
+              </a:spcAft>
+              <a:buClrTx/>
+              <a:buSzTx/>
+              <a:buFont typeface="Arial" panose="020B0604020202020204" pitchFamily="34" charset="0"/>
+              <a:buNone/>
+              <a:tabLst/>
+              <a:defRPr/>
+            </a:pPr>
+            <a:r>
+              <a:rPr kumimoji="0" lang="en-GB" sz="1800" b="0" i="0" u="none" strike="noStrike" kern="1200" cap="none" spc="0" normalizeH="0" baseline="0" noProof="0">
+                <a:ln>
+                  <a:noFill/>
+                </a:ln>
+                <a:solidFill>
+                  <a:sysClr val="windowText" lastClr="000000"/>
+                </a:solidFill>
+                <a:effectLst/>
+                <a:uLnTx/>
+                <a:uFillTx/>
+                <a:latin typeface="Calibri" panose="020F0502020204030204"/>
+                <a:ea typeface="+mn-ea"/>
+                <a:cs typeface="+mn-cs"/>
+              </a:rPr>
+              <a:t>Scan QR code or click </a:t>
+            </a:r>
+            <a:r>
+              <a:rPr kumimoji="0" lang="en-GB" sz="1800" b="0" i="0" u="none" strike="noStrike" kern="1200" cap="none" spc="0" normalizeH="0" baseline="0" noProof="0">
+                <a:ln>
+                  <a:noFill/>
+                </a:ln>
+                <a:solidFill>
+                  <a:sysClr val="windowText" lastClr="000000"/>
+                </a:solidFill>
+                <a:effectLst/>
+                <a:uLnTx/>
+                <a:uFillTx/>
+                <a:latin typeface="Calibri" panose="020F0502020204030204"/>
+                <a:ea typeface="+mn-ea"/>
+                <a:cs typeface="+mn-cs"/>
+                <a:hlinkClick r:id="rId4"/>
+              </a:rPr>
+              <a:t>here</a:t>
+            </a:r>
+            <a:endParaRPr kumimoji="0" lang="en-GB" sz="2400" b="0" i="0" u="none" strike="noStrike" kern="1200" cap="none" spc="0" normalizeH="0" baseline="0" noProof="0">
+              <a:ln>
+                <a:noFill/>
+              </a:ln>
+              <a:solidFill>
+                <a:sysClr val="windowText" lastClr="000000"/>
+              </a:solidFill>
+              <a:effectLst/>
+              <a:uLnTx/>
+              <a:uFillTx/>
+              <a:latin typeface="Calibri" panose="020F0502020204030204"/>
+              <a:ea typeface="+mn-ea"/>
+              <a:cs typeface="+mn-cs"/>
+            </a:endParaRPr>
+          </a:p>
+          <a:p>
+            <a:pPr marL="0" marR="0" lvl="0" indent="0" algn="l" defTabSz="914400" rtl="0" eaLnBrk="1" fontAlgn="auto" latinLnBrk="0" hangingPunct="1">
+              <a:lnSpc>
+                <a:spcPct val="100000"/>
+              </a:lnSpc>
+              <a:spcBef>
+                <a:spcPts val="0"/>
+              </a:spcBef>
+              <a:spcAft>
+                <a:spcPts val="0"/>
+              </a:spcAft>
+              <a:buClrTx/>
+              <a:buSzTx/>
+              <a:buFont typeface="Arial" panose="020B0604020202020204" pitchFamily="34" charset="0"/>
+              <a:buNone/>
+              <a:tabLst/>
+              <a:defRPr/>
+            </a:pPr>
+            <a:endParaRPr kumimoji="0" lang="en-GB" sz="2400" b="0" i="0" u="none" strike="noStrike" kern="1200" cap="none" spc="0" normalizeH="0" baseline="0" noProof="0">
+              <a:ln>
+                <a:noFill/>
+              </a:ln>
+              <a:solidFill>
+                <a:sysClr val="windowText" lastClr="000000"/>
+              </a:solidFill>
+              <a:effectLst/>
+              <a:uLnTx/>
+              <a:uFillTx/>
+              <a:latin typeface="Calibri" panose="020F0502020204030204"/>
+              <a:ea typeface="+mn-ea"/>
+              <a:cs typeface="+mn-cs"/>
+            </a:endParaRPr>
+          </a:p>
+          <a:p>
+            <a:pPr marL="0" marR="0" lvl="0" indent="0" algn="l" defTabSz="914400" rtl="0" eaLnBrk="1" fontAlgn="auto" latinLnBrk="0" hangingPunct="1">
+              <a:lnSpc>
+                <a:spcPct val="100000"/>
+              </a:lnSpc>
+              <a:spcBef>
+                <a:spcPts val="0"/>
+              </a:spcBef>
+              <a:spcAft>
+                <a:spcPts val="0"/>
+              </a:spcAft>
+              <a:buClrTx/>
+              <a:buSzTx/>
+              <a:buFont typeface="Arial" panose="020B0604020202020204" pitchFamily="34" charset="0"/>
+              <a:buNone/>
+              <a:tabLst/>
+              <a:defRPr/>
+            </a:pPr>
+            <a:endParaRPr kumimoji="0" lang="en-GB" sz="2400" b="0" i="0" u="none" strike="noStrike" kern="1200" cap="none" spc="0" normalizeH="0" baseline="0" noProof="0">
+              <a:ln>
+                <a:noFill/>
+              </a:ln>
+              <a:solidFill>
+                <a:sysClr val="windowText" lastClr="000000"/>
+              </a:solidFill>
+              <a:effectLst/>
+              <a:uLnTx/>
+              <a:uFillTx/>
+              <a:latin typeface="Calibri" panose="020F0502020204030204"/>
+              <a:ea typeface="+mn-ea"/>
+              <a:cs typeface="+mn-cs"/>
+            </a:endParaRPr>
+          </a:p>
+          <a:p>
+            <a:pPr marL="0" marR="0" lvl="0" indent="0" algn="l" defTabSz="914400" rtl="0" eaLnBrk="1" fontAlgn="auto" latinLnBrk="0" hangingPunct="1">
+              <a:lnSpc>
+                <a:spcPct val="90000"/>
+              </a:lnSpc>
+              <a:spcBef>
+                <a:spcPts val="1000"/>
+              </a:spcBef>
+              <a:spcAft>
+                <a:spcPts val="0"/>
+              </a:spcAft>
+              <a:buClrTx/>
+              <a:buSzTx/>
+              <a:buFont typeface="Arial" panose="020B0604020202020204" pitchFamily="34" charset="0"/>
+              <a:buNone/>
+              <a:tabLst/>
+              <a:defRPr/>
+            </a:pPr>
+            <a:endParaRPr kumimoji="0" lang="en-GB" sz="2400" b="0" i="0" u="none" strike="noStrike" kern="1200" cap="none" spc="0" normalizeH="0" baseline="0" noProof="0" dirty="0">
+              <a:ln>
+                <a:noFill/>
+              </a:ln>
+              <a:solidFill>
+                <a:sysClr val="windowText" lastClr="000000"/>
+              </a:solidFill>
+              <a:effectLst/>
+              <a:uLnTx/>
+              <a:uFillTx/>
+              <a:latin typeface="Calibri" panose="020F0502020204030204"/>
+              <a:ea typeface="+mn-ea"/>
+              <a:cs typeface="+mn-cs"/>
+            </a:endParaRPr>
+          </a:p>
+        </p:txBody>
+      </p:sp>
+      <p:sp>
+        <p:nvSpPr>
+          <p:cNvPr id="6" name="Rectangle 5">
+            <a:extLst>
+              <a:ext uri="{FF2B5EF4-FFF2-40B4-BE49-F238E27FC236}">
+                <a16:creationId xmlns:a16="http://schemas.microsoft.com/office/drawing/2014/main" id="{61A605B1-693B-191F-DA7C-72B14EA31F3E}"/>
+              </a:ext>
+            </a:extLst>
+          </p:cNvPr>
+          <p:cNvSpPr/>
+          <p:nvPr/>
+        </p:nvSpPr>
+        <p:spPr>
+          <a:xfrm>
+            <a:off x="9526843" y="5267002"/>
+            <a:ext cx="2388254" cy="914400"/>
+          </a:xfrm>
+          <a:prstGeom prst="rect">
+            <a:avLst/>
+          </a:prstGeom>
+          <a:noFill/>
+          <a:ln w="12700" cap="flat" cmpd="sng" algn="ctr">
+            <a:noFill/>
+            <a:prstDash val="solid"/>
+            <a:miter lim="800000"/>
+          </a:ln>
+          <a:effectLst/>
+        </p:spPr>
+        <p:txBody>
+          <a:bodyPr rot="0" spcFirstLastPara="0" vert="horz" wrap="square" lIns="91440" tIns="45720" rIns="91440" bIns="45720" numCol="1" spcCol="0" rtlCol="0" fromWordArt="0" anchor="ctr" anchorCtr="0" forceAA="0" compatLnSpc="1">
+            <a:prstTxWarp prst="textNoShape">
+              <a:avLst/>
+            </a:prstTxWarp>
+            <a:noAutofit/>
+          </a:bodyPr>
+          <a:lstStyle>
+            <a:defPPr>
+              <a:defRPr lang="en-US"/>
+            </a:defPPr>
+            <a:lvl1pPr algn="l" rtl="0" fontAlgn="base">
+              <a:spcBef>
+                <a:spcPct val="0"/>
+              </a:spcBef>
+              <a:spcAft>
+                <a:spcPct val="0"/>
+              </a:spcAft>
+              <a:defRPr kern="1200">
+                <a:solidFill>
+                  <a:schemeClr val="lt1"/>
+                </a:solidFill>
+                <a:latin typeface="+mn-lt"/>
+                <a:ea typeface="+mn-ea"/>
+                <a:cs typeface="+mn-cs"/>
+              </a:defRPr>
+            </a:lvl1pPr>
+            <a:lvl2pPr marL="457200" algn="l" rtl="0" fontAlgn="base">
+              <a:spcBef>
+                <a:spcPct val="0"/>
+              </a:spcBef>
+              <a:spcAft>
+                <a:spcPct val="0"/>
+              </a:spcAft>
+              <a:defRPr kern="1200">
+                <a:solidFill>
+                  <a:schemeClr val="lt1"/>
+                </a:solidFill>
+                <a:latin typeface="+mn-lt"/>
+                <a:ea typeface="+mn-ea"/>
+                <a:cs typeface="+mn-cs"/>
+              </a:defRPr>
+            </a:lvl2pPr>
+            <a:lvl3pPr marL="914400" algn="l" rtl="0" fontAlgn="base">
+              <a:spcBef>
+                <a:spcPct val="0"/>
+              </a:spcBef>
+              <a:spcAft>
+                <a:spcPct val="0"/>
+              </a:spcAft>
+              <a:defRPr kern="1200">
+                <a:solidFill>
+                  <a:schemeClr val="lt1"/>
+                </a:solidFill>
+                <a:latin typeface="+mn-lt"/>
+                <a:ea typeface="+mn-ea"/>
+                <a:cs typeface="+mn-cs"/>
+              </a:defRPr>
+            </a:lvl3pPr>
+            <a:lvl4pPr marL="1371600" algn="l" rtl="0" fontAlgn="base">
+              <a:spcBef>
+                <a:spcPct val="0"/>
+              </a:spcBef>
+              <a:spcAft>
+                <a:spcPct val="0"/>
+              </a:spcAft>
+              <a:defRPr kern="1200">
+                <a:solidFill>
+                  <a:schemeClr val="lt1"/>
+                </a:solidFill>
+                <a:latin typeface="+mn-lt"/>
+                <a:ea typeface="+mn-ea"/>
+                <a:cs typeface="+mn-cs"/>
+              </a:defRPr>
+            </a:lvl4pPr>
+            <a:lvl5pPr marL="1828800" algn="l" rtl="0" fontAlgn="base">
+              <a:spcBef>
+                <a:spcPct val="0"/>
+              </a:spcBef>
+              <a:spcAft>
+                <a:spcPct val="0"/>
+              </a:spcAft>
+              <a:defRPr kern="1200">
+                <a:solidFill>
+                  <a:schemeClr val="lt1"/>
+                </a:solidFill>
+                <a:latin typeface="+mn-lt"/>
+                <a:ea typeface="+mn-ea"/>
+                <a:cs typeface="+mn-cs"/>
+              </a:defRPr>
+            </a:lvl5pPr>
+            <a:lvl6pPr marL="2286000" algn="l" defTabSz="914400" rtl="0" eaLnBrk="1" latinLnBrk="0" hangingPunct="1">
+              <a:defRPr kern="1200">
+                <a:solidFill>
+                  <a:schemeClr val="lt1"/>
+                </a:solidFill>
+                <a:latin typeface="+mn-lt"/>
+                <a:ea typeface="+mn-ea"/>
+                <a:cs typeface="+mn-cs"/>
+              </a:defRPr>
+            </a:lvl6pPr>
+            <a:lvl7pPr marL="2743200" algn="l" defTabSz="914400" rtl="0" eaLnBrk="1" latinLnBrk="0" hangingPunct="1">
+              <a:defRPr kern="1200">
+                <a:solidFill>
+                  <a:schemeClr val="lt1"/>
+                </a:solidFill>
+                <a:latin typeface="+mn-lt"/>
+                <a:ea typeface="+mn-ea"/>
+                <a:cs typeface="+mn-cs"/>
+              </a:defRPr>
+            </a:lvl7pPr>
+            <a:lvl8pPr marL="3200400" algn="l" defTabSz="914400" rtl="0" eaLnBrk="1" latinLnBrk="0" hangingPunct="1">
+              <a:defRPr kern="1200">
+                <a:solidFill>
+                  <a:schemeClr val="lt1"/>
+                </a:solidFill>
+                <a:latin typeface="+mn-lt"/>
+                <a:ea typeface="+mn-ea"/>
+                <a:cs typeface="+mn-cs"/>
+              </a:defRPr>
+            </a:lvl8pPr>
+            <a:lvl9pPr marL="3657600" algn="l" defTabSz="914400" rtl="0" eaLnBrk="1" latinLnBrk="0" hangingPunct="1">
+              <a:defRPr kern="1200">
+                <a:solidFill>
+                  <a:schemeClr val="lt1"/>
+                </a:solidFill>
+                <a:latin typeface="+mn-lt"/>
+                <a:ea typeface="+mn-ea"/>
+                <a:cs typeface="+mn-cs"/>
+              </a:defRPr>
+            </a:lvl9pPr>
+          </a:lstStyle>
+          <a:p>
+            <a:pPr marL="0" marR="0" lvl="0" indent="0" algn="l" defTabSz="914400" rtl="0" eaLnBrk="1" fontAlgn="base" latinLnBrk="0" hangingPunct="1">
+              <a:lnSpc>
+                <a:spcPct val="100000"/>
+              </a:lnSpc>
+              <a:spcBef>
+                <a:spcPct val="0"/>
+              </a:spcBef>
+              <a:spcAft>
+                <a:spcPct val="0"/>
+              </a:spcAft>
+              <a:buClrTx/>
+              <a:buSzTx/>
+              <a:buFontTx/>
+              <a:buNone/>
+              <a:tabLst/>
+              <a:defRPr/>
+            </a:pPr>
+            <a:r>
+              <a:rPr kumimoji="0" lang="en-GB" sz="2400" b="1" i="0" u="none" strike="noStrike" kern="1200" cap="none" spc="0" normalizeH="0" baseline="0" noProof="0" dirty="0">
+                <a:ln>
+                  <a:noFill/>
+                </a:ln>
+                <a:solidFill>
+                  <a:prstClr val="black"/>
+                </a:solidFill>
+                <a:effectLst/>
+                <a:uLnTx/>
+                <a:uFillTx/>
+                <a:latin typeface="Arial" panose="020B0604020202020204" pitchFamily="34" charset="0"/>
+                <a:ea typeface="+mn-ea"/>
+                <a:cs typeface="Arial" panose="020B0604020202020204" pitchFamily="34" charset="0"/>
+              </a:rPr>
+              <a:t>Check in code</a:t>
+            </a:r>
+          </a:p>
+          <a:p>
+            <a:pPr marL="0" marR="0" lvl="0" indent="0" algn="l" defTabSz="914400" rtl="0" eaLnBrk="1" fontAlgn="base" latinLnBrk="0" hangingPunct="1">
+              <a:lnSpc>
+                <a:spcPct val="100000"/>
+              </a:lnSpc>
+              <a:spcBef>
+                <a:spcPct val="0"/>
+              </a:spcBef>
+              <a:spcAft>
+                <a:spcPct val="0"/>
+              </a:spcAft>
+              <a:buClrTx/>
+              <a:buSzTx/>
+              <a:buFontTx/>
+              <a:buNone/>
+              <a:tabLst/>
+              <a:defRPr/>
+            </a:pPr>
+            <a:r>
+              <a:rPr kumimoji="0" lang="en-GB" sz="2400" b="1" i="0" u="none" strike="noStrike" kern="1200" cap="none" spc="0" normalizeH="0" baseline="0" noProof="0" dirty="0">
+                <a:ln>
+                  <a:noFill/>
+                </a:ln>
+                <a:solidFill>
+                  <a:srgbClr val="FF0000"/>
+                </a:solidFill>
+                <a:effectLst/>
+                <a:uLnTx/>
+                <a:uFillTx/>
+                <a:latin typeface="Arial" panose="020B0604020202020204" pitchFamily="34" charset="0"/>
+                <a:ea typeface="+mn-ea"/>
+                <a:cs typeface="Arial" panose="020B0604020202020204" pitchFamily="34" charset="0"/>
+              </a:rPr>
+              <a:t>**-**-**</a:t>
+            </a:r>
+            <a:endParaRPr kumimoji="0" lang="en-GB" sz="2400" b="1" i="0" u="none" strike="noStrike" kern="1200" cap="none" spc="0" normalizeH="0" baseline="0" noProof="0" dirty="0">
+              <a:ln>
+                <a:noFill/>
+              </a:ln>
+              <a:solidFill>
+                <a:prstClr val="black"/>
+              </a:solidFill>
+              <a:effectLst/>
+              <a:uLnTx/>
+              <a:uFillTx/>
+              <a:latin typeface="Arial" panose="020B0604020202020204" pitchFamily="34" charset="0"/>
+              <a:ea typeface="+mn-ea"/>
+              <a:cs typeface="Arial" panose="020B0604020202020204" pitchFamily="34" charset="0"/>
+            </a:endParaRPr>
+          </a:p>
+        </p:txBody>
+      </p:sp>
+      <p:pic>
+        <p:nvPicPr>
+          <p:cNvPr id="7" name="Picture 6">
+            <a:extLst>
+              <a:ext uri="{FF2B5EF4-FFF2-40B4-BE49-F238E27FC236}">
+                <a16:creationId xmlns:a16="http://schemas.microsoft.com/office/drawing/2014/main" id="{F112A1F0-CAD8-48C7-8DFE-B74C258F6FBD}"/>
+              </a:ext>
+            </a:extLst>
+          </p:cNvPr>
+          <p:cNvPicPr>
+            <a:picLocks noChangeAspect="1"/>
+          </p:cNvPicPr>
+          <p:nvPr/>
+        </p:nvPicPr>
+        <p:blipFill>
+          <a:blip r:embed="rId5">
+            <a:extLst>
+              <a:ext uri="{28A0092B-C50C-407E-A947-70E740481C1C}">
+                <a14:useLocalDpi xmlns:a14="http://schemas.microsoft.com/office/drawing/2010/main" val="0"/>
+              </a:ext>
+            </a:extLst>
+          </a:blip>
+          <a:srcRect/>
+          <a:stretch/>
+        </p:blipFill>
+        <p:spPr>
+          <a:xfrm>
+            <a:off x="6343650" y="5097651"/>
+            <a:ext cx="1587722" cy="1587722"/>
+          </a:xfrm>
+          <a:prstGeom prst="rect">
+            <a:avLst/>
+          </a:prstGeom>
+        </p:spPr>
+      </p:pic>
+      <p:pic>
+        <p:nvPicPr>
+          <p:cNvPr id="8" name="Picture 7">
+            <a:extLst>
+              <a:ext uri="{FF2B5EF4-FFF2-40B4-BE49-F238E27FC236}">
+                <a16:creationId xmlns:a16="http://schemas.microsoft.com/office/drawing/2014/main" id="{5A2B9257-21A0-4B2C-7DFF-7F0161FCA9AF}"/>
+              </a:ext>
+            </a:extLst>
+          </p:cNvPr>
+          <p:cNvPicPr>
+            <a:picLocks noChangeAspect="1"/>
+          </p:cNvPicPr>
+          <p:nvPr/>
+        </p:nvPicPr>
+        <p:blipFill rotWithShape="1">
+          <a:blip r:embed="rId6">
+            <a:extLst>
+              <a:ext uri="{28A0092B-C50C-407E-A947-70E740481C1C}">
+                <a14:useLocalDpi xmlns:a14="http://schemas.microsoft.com/office/drawing/2010/main" val="0"/>
+              </a:ext>
+            </a:extLst>
+          </a:blip>
+          <a:srcRect l="6300" t="15443" r="6024" b="14050"/>
+          <a:stretch/>
+        </p:blipFill>
+        <p:spPr bwMode="auto">
+          <a:xfrm>
+            <a:off x="8801100" y="320156"/>
+            <a:ext cx="3140698" cy="948012"/>
+          </a:xfrm>
+          <a:prstGeom prst="rect">
+            <a:avLst/>
+          </a:prstGeom>
+          <a:ln>
+            <a:noFill/>
+          </a:ln>
+          <a:extLst>
+            <a:ext uri="{53640926-AAD7-44D8-BBD7-CCE9431645EC}">
+              <a14:shadowObscured xmlns:a14="http://schemas.microsoft.com/office/drawing/2010/main"/>
+            </a:ext>
+          </a:extLst>
+        </p:spPr>
+      </p:pic>
     </p:spTree>
     <p:extLst>
       <p:ext uri="{BB962C8B-B14F-4D97-AF65-F5344CB8AC3E}">

--- a/docs/slides/PSYC761_L5_MultipleRegression3.pptx
+++ b/docs/slides/PSYC761_L5_MultipleRegression3.pptx
@@ -164,7 +164,7 @@
 <file path=ppt/revisionInfo.xml><?xml version="1.0" encoding="utf-8"?>
 <p1510:revInfo xmlns:a="http://schemas.openxmlformats.org/drawingml/2006/main" xmlns:r="http://schemas.openxmlformats.org/officeDocument/2006/relationships" xmlns:p1510="http://schemas.microsoft.com/office/powerpoint/2015/10/main">
   <p1510:revLst>
-    <p1510:client id="{7DD1942C-6FDB-49C4-BCC2-3B77D9692BFF}" v="1" dt="2024-01-15T16:10:12.240"/>
+    <p1510:client id="{D460026E-02E4-48A4-9EF6-513156A13840}" v="24" dt="2024-02-25T15:31:14.561"/>
   </p1510:revLst>
 </p1510:revInfo>
 </file>
@@ -231,6 +231,182 @@
             <ac:spMk id="7" creationId="{8B6E7831-4F87-4C73-852B-30DE49D4C660}"/>
           </ac:spMkLst>
         </pc:spChg>
+      </pc:sldChg>
+    </pc:docChg>
+  </pc:docChgLst>
+  <pc:docChgLst>
+    <pc:chgData name="Christopher Berry" userId="468ae48a-5539-4b21-98ea-6081f4d86140" providerId="ADAL" clId="{959490A9-C520-46F8-AD57-655069E6F8E0}"/>
+    <pc:docChg chg="modSld">
+      <pc:chgData name="Christopher Berry" userId="468ae48a-5539-4b21-98ea-6081f4d86140" providerId="ADAL" clId="{959490A9-C520-46F8-AD57-655069E6F8E0}" dt="2024-01-15T16:11:18.848" v="0"/>
+      <pc:docMkLst>
+        <pc:docMk/>
+      </pc:docMkLst>
+      <pc:sldChg chg="addSp modSp">
+        <pc:chgData name="Christopher Berry" userId="468ae48a-5539-4b21-98ea-6081f4d86140" providerId="ADAL" clId="{959490A9-C520-46F8-AD57-655069E6F8E0}" dt="2024-01-15T16:11:18.848" v="0"/>
+        <pc:sldMkLst>
+          <pc:docMk/>
+          <pc:sldMk cId="1337738250" sldId="257"/>
+        </pc:sldMkLst>
+        <pc:spChg chg="add mod">
+          <ac:chgData name="Christopher Berry" userId="468ae48a-5539-4b21-98ea-6081f4d86140" providerId="ADAL" clId="{959490A9-C520-46F8-AD57-655069E6F8E0}" dt="2024-01-15T16:11:18.848" v="0"/>
+          <ac:spMkLst>
+            <pc:docMk/>
+            <pc:sldMk cId="1337738250" sldId="257"/>
+            <ac:spMk id="5" creationId="{00A8BD08-82BF-96EB-0E68-AB104172ABC4}"/>
+          </ac:spMkLst>
+        </pc:spChg>
+        <pc:spChg chg="add mod">
+          <ac:chgData name="Christopher Berry" userId="468ae48a-5539-4b21-98ea-6081f4d86140" providerId="ADAL" clId="{959490A9-C520-46F8-AD57-655069E6F8E0}" dt="2024-01-15T16:11:18.848" v="0"/>
+          <ac:spMkLst>
+            <pc:docMk/>
+            <pc:sldMk cId="1337738250" sldId="257"/>
+            <ac:spMk id="6" creationId="{09586471-FF90-0962-3A82-C3D808438B7A}"/>
+          </ac:spMkLst>
+        </pc:spChg>
+        <pc:picChg chg="add mod">
+          <ac:chgData name="Christopher Berry" userId="468ae48a-5539-4b21-98ea-6081f4d86140" providerId="ADAL" clId="{959490A9-C520-46F8-AD57-655069E6F8E0}" dt="2024-01-15T16:11:18.848" v="0"/>
+          <ac:picMkLst>
+            <pc:docMk/>
+            <pc:sldMk cId="1337738250" sldId="257"/>
+            <ac:picMk id="7" creationId="{0F585AC4-CE17-A4E7-3545-7BAD6CAD7504}"/>
+          </ac:picMkLst>
+        </pc:picChg>
+        <pc:picChg chg="add mod">
+          <ac:chgData name="Christopher Berry" userId="468ae48a-5539-4b21-98ea-6081f4d86140" providerId="ADAL" clId="{959490A9-C520-46F8-AD57-655069E6F8E0}" dt="2024-01-15T16:11:18.848" v="0"/>
+          <ac:picMkLst>
+            <pc:docMk/>
+            <pc:sldMk cId="1337738250" sldId="257"/>
+            <ac:picMk id="8" creationId="{9D456CD1-CDE2-86B8-C62E-E3E107C6B92A}"/>
+          </ac:picMkLst>
+        </pc:picChg>
+      </pc:sldChg>
+    </pc:docChg>
+  </pc:docChgLst>
+  <pc:docChgLst>
+    <pc:chgData name="Christopher Berry" userId="468ae48a-5539-4b21-98ea-6081f4d86140" providerId="ADAL" clId="{55C5A863-92EE-43EF-A7B9-71A8CA0E993E}"/>
+    <pc:docChg chg="custSel modSld">
+      <pc:chgData name="Christopher Berry" userId="468ae48a-5539-4b21-98ea-6081f4d86140" providerId="ADAL" clId="{55C5A863-92EE-43EF-A7B9-71A8CA0E993E}" dt="2024-02-25T15:32:23.362" v="33" actId="368"/>
+      <pc:docMkLst>
+        <pc:docMk/>
+      </pc:docMkLst>
+      <pc:sldChg chg="modNotes">
+        <pc:chgData name="Christopher Berry" userId="468ae48a-5539-4b21-98ea-6081f4d86140" providerId="ADAL" clId="{55C5A863-92EE-43EF-A7B9-71A8CA0E993E}" dt="2024-02-25T15:32:23.303" v="1" actId="368"/>
+        <pc:sldMkLst>
+          <pc:docMk/>
+          <pc:sldMk cId="1337738250" sldId="257"/>
+        </pc:sldMkLst>
+      </pc:sldChg>
+      <pc:sldChg chg="modNotes">
+        <pc:chgData name="Christopher Berry" userId="468ae48a-5539-4b21-98ea-6081f4d86140" providerId="ADAL" clId="{55C5A863-92EE-43EF-A7B9-71A8CA0E993E}" dt="2024-02-25T15:32:23.308" v="3" actId="368"/>
+        <pc:sldMkLst>
+          <pc:docMk/>
+          <pc:sldMk cId="1712097344" sldId="314"/>
+        </pc:sldMkLst>
+      </pc:sldChg>
+      <pc:sldChg chg="modNotes">
+        <pc:chgData name="Christopher Berry" userId="468ae48a-5539-4b21-98ea-6081f4d86140" providerId="ADAL" clId="{55C5A863-92EE-43EF-A7B9-71A8CA0E993E}" dt="2024-02-25T15:32:23.312" v="5" actId="368"/>
+        <pc:sldMkLst>
+          <pc:docMk/>
+          <pc:sldMk cId="1050599960" sldId="363"/>
+        </pc:sldMkLst>
+      </pc:sldChg>
+      <pc:sldChg chg="modNotes">
+        <pc:chgData name="Christopher Berry" userId="468ae48a-5539-4b21-98ea-6081f4d86140" providerId="ADAL" clId="{55C5A863-92EE-43EF-A7B9-71A8CA0E993E}" dt="2024-02-25T15:32:23.333" v="17" actId="368"/>
+        <pc:sldMkLst>
+          <pc:docMk/>
+          <pc:sldMk cId="868580765" sldId="364"/>
+        </pc:sldMkLst>
+      </pc:sldChg>
+      <pc:sldChg chg="modNotes">
+        <pc:chgData name="Christopher Berry" userId="468ae48a-5539-4b21-98ea-6081f4d86140" providerId="ADAL" clId="{55C5A863-92EE-43EF-A7B9-71A8CA0E993E}" dt="2024-02-25T15:32:23.337" v="19" actId="368"/>
+        <pc:sldMkLst>
+          <pc:docMk/>
+          <pc:sldMk cId="3319223748" sldId="366"/>
+        </pc:sldMkLst>
+      </pc:sldChg>
+      <pc:sldChg chg="modNotes">
+        <pc:chgData name="Christopher Berry" userId="468ae48a-5539-4b21-98ea-6081f4d86140" providerId="ADAL" clId="{55C5A863-92EE-43EF-A7B9-71A8CA0E993E}" dt="2024-02-25T15:32:23.341" v="21" actId="368"/>
+        <pc:sldMkLst>
+          <pc:docMk/>
+          <pc:sldMk cId="3483724441" sldId="367"/>
+        </pc:sldMkLst>
+      </pc:sldChg>
+      <pc:sldChg chg="modNotes">
+        <pc:chgData name="Christopher Berry" userId="468ae48a-5539-4b21-98ea-6081f4d86140" providerId="ADAL" clId="{55C5A863-92EE-43EF-A7B9-71A8CA0E993E}" dt="2024-02-25T15:32:23.345" v="23" actId="368"/>
+        <pc:sldMkLst>
+          <pc:docMk/>
+          <pc:sldMk cId="1456163847" sldId="369"/>
+        </pc:sldMkLst>
+      </pc:sldChg>
+      <pc:sldChg chg="modNotes">
+        <pc:chgData name="Christopher Berry" userId="468ae48a-5539-4b21-98ea-6081f4d86140" providerId="ADAL" clId="{55C5A863-92EE-43EF-A7B9-71A8CA0E993E}" dt="2024-02-25T15:32:23.319" v="9" actId="368"/>
+        <pc:sldMkLst>
+          <pc:docMk/>
+          <pc:sldMk cId="801254343" sldId="370"/>
+        </pc:sldMkLst>
+      </pc:sldChg>
+      <pc:sldChg chg="modNotes">
+        <pc:chgData name="Christopher Berry" userId="468ae48a-5539-4b21-98ea-6081f4d86140" providerId="ADAL" clId="{55C5A863-92EE-43EF-A7B9-71A8CA0E993E}" dt="2024-02-25T15:32:23.328" v="15" actId="368"/>
+        <pc:sldMkLst>
+          <pc:docMk/>
+          <pc:sldMk cId="4038527501" sldId="371"/>
+        </pc:sldMkLst>
+      </pc:sldChg>
+      <pc:sldChg chg="modNotes">
+        <pc:chgData name="Christopher Berry" userId="468ae48a-5539-4b21-98ea-6081f4d86140" providerId="ADAL" clId="{55C5A863-92EE-43EF-A7B9-71A8CA0E993E}" dt="2024-02-25T15:32:23.351" v="27" actId="368"/>
+        <pc:sldMkLst>
+          <pc:docMk/>
+          <pc:sldMk cId="1608245533" sldId="372"/>
+        </pc:sldMkLst>
+      </pc:sldChg>
+      <pc:sldChg chg="modNotes">
+        <pc:chgData name="Christopher Berry" userId="468ae48a-5539-4b21-98ea-6081f4d86140" providerId="ADAL" clId="{55C5A863-92EE-43EF-A7B9-71A8CA0E993E}" dt="2024-02-25T15:32:23.354" v="29" actId="368"/>
+        <pc:sldMkLst>
+          <pc:docMk/>
+          <pc:sldMk cId="807854647" sldId="373"/>
+        </pc:sldMkLst>
+      </pc:sldChg>
+      <pc:sldChg chg="modNotes">
+        <pc:chgData name="Christopher Berry" userId="468ae48a-5539-4b21-98ea-6081f4d86140" providerId="ADAL" clId="{55C5A863-92EE-43EF-A7B9-71A8CA0E993E}" dt="2024-02-25T15:32:23.358" v="31" actId="368"/>
+        <pc:sldMkLst>
+          <pc:docMk/>
+          <pc:sldMk cId="1022977136" sldId="374"/>
+        </pc:sldMkLst>
+      </pc:sldChg>
+      <pc:sldChg chg="modNotes">
+        <pc:chgData name="Christopher Berry" userId="468ae48a-5539-4b21-98ea-6081f4d86140" providerId="ADAL" clId="{55C5A863-92EE-43EF-A7B9-71A8CA0E993E}" dt="2024-02-25T15:32:23.362" v="33" actId="368"/>
+        <pc:sldMkLst>
+          <pc:docMk/>
+          <pc:sldMk cId="799028471" sldId="375"/>
+        </pc:sldMkLst>
+      </pc:sldChg>
+      <pc:sldChg chg="modNotes">
+        <pc:chgData name="Christopher Berry" userId="468ae48a-5539-4b21-98ea-6081f4d86140" providerId="ADAL" clId="{55C5A863-92EE-43EF-A7B9-71A8CA0E993E}" dt="2024-02-25T15:32:23.316" v="7" actId="368"/>
+        <pc:sldMkLst>
+          <pc:docMk/>
+          <pc:sldMk cId="2123990893" sldId="379"/>
+        </pc:sldMkLst>
+      </pc:sldChg>
+      <pc:sldChg chg="modNotes">
+        <pc:chgData name="Christopher Berry" userId="468ae48a-5539-4b21-98ea-6081f4d86140" providerId="ADAL" clId="{55C5A863-92EE-43EF-A7B9-71A8CA0E993E}" dt="2024-02-25T15:32:23.325" v="13" actId="368"/>
+        <pc:sldMkLst>
+          <pc:docMk/>
+          <pc:sldMk cId="2847794192" sldId="380"/>
+        </pc:sldMkLst>
+      </pc:sldChg>
+      <pc:sldChg chg="modNotes">
+        <pc:chgData name="Christopher Berry" userId="468ae48a-5539-4b21-98ea-6081f4d86140" providerId="ADAL" clId="{55C5A863-92EE-43EF-A7B9-71A8CA0E993E}" dt="2024-02-25T15:32:23.322" v="11" actId="368"/>
+        <pc:sldMkLst>
+          <pc:docMk/>
+          <pc:sldMk cId="1343114204" sldId="382"/>
+        </pc:sldMkLst>
+      </pc:sldChg>
+      <pc:sldChg chg="modNotes">
+        <pc:chgData name="Christopher Berry" userId="468ae48a-5539-4b21-98ea-6081f4d86140" providerId="ADAL" clId="{55C5A863-92EE-43EF-A7B9-71A8CA0E993E}" dt="2024-02-25T15:32:23.348" v="25" actId="368"/>
+        <pc:sldMkLst>
+          <pc:docMk/>
+          <pc:sldMk cId="1016740621" sldId="383"/>
+        </pc:sldMkLst>
       </pc:sldChg>
     </pc:docChg>
   </pc:docChgLst>
@@ -367,178 +543,26 @@
     </pc:docChg>
   </pc:docChgLst>
   <pc:docChgLst>
-    <pc:chgData name="Christopher Berry" userId="468ae48a-5539-4b21-98ea-6081f4d86140" providerId="ADAL" clId="{5834FB69-916F-4CD0-BDFA-CCFCF29806D1}"/>
-    <pc:docChg chg="custSel modSld">
-      <pc:chgData name="Christopher Berry" userId="468ae48a-5539-4b21-98ea-6081f4d86140" providerId="ADAL" clId="{5834FB69-916F-4CD0-BDFA-CCFCF29806D1}" dt="2023-12-01T16:14:14.542" v="33" actId="368"/>
+    <pc:chgData name="Christopher Berry" userId="468ae48a-5539-4b21-98ea-6081f4d86140" providerId="ADAL" clId="{D460026E-02E4-48A4-9EF6-513156A13840}"/>
+    <pc:docChg chg="modSld">
+      <pc:chgData name="Christopher Berry" userId="468ae48a-5539-4b21-98ea-6081f4d86140" providerId="ADAL" clId="{D460026E-02E4-48A4-9EF6-513156A13840}" dt="2024-02-25T15:31:14.561" v="23" actId="20577"/>
       <pc:docMkLst>
         <pc:docMk/>
       </pc:docMkLst>
-      <pc:sldChg chg="modNotes">
-        <pc:chgData name="Christopher Berry" userId="468ae48a-5539-4b21-98ea-6081f4d86140" providerId="ADAL" clId="{5834FB69-916F-4CD0-BDFA-CCFCF29806D1}" dt="2023-12-01T16:14:14.491" v="1" actId="368"/>
-        <pc:sldMkLst>
-          <pc:docMk/>
-          <pc:sldMk cId="1337738250" sldId="257"/>
-        </pc:sldMkLst>
-      </pc:sldChg>
-      <pc:sldChg chg="modNotes">
-        <pc:chgData name="Christopher Berry" userId="468ae48a-5539-4b21-98ea-6081f4d86140" providerId="ADAL" clId="{5834FB69-916F-4CD0-BDFA-CCFCF29806D1}" dt="2023-12-01T16:14:14.494" v="3" actId="368"/>
-        <pc:sldMkLst>
-          <pc:docMk/>
-          <pc:sldMk cId="1712097344" sldId="314"/>
-        </pc:sldMkLst>
-      </pc:sldChg>
-      <pc:sldChg chg="modNotes">
-        <pc:chgData name="Christopher Berry" userId="468ae48a-5539-4b21-98ea-6081f4d86140" providerId="ADAL" clId="{5834FB69-916F-4CD0-BDFA-CCFCF29806D1}" dt="2023-12-01T16:14:14.497" v="5" actId="368"/>
-        <pc:sldMkLst>
-          <pc:docMk/>
-          <pc:sldMk cId="1050599960" sldId="363"/>
-        </pc:sldMkLst>
-      </pc:sldChg>
-      <pc:sldChg chg="modNotes">
-        <pc:chgData name="Christopher Berry" userId="468ae48a-5539-4b21-98ea-6081f4d86140" providerId="ADAL" clId="{5834FB69-916F-4CD0-BDFA-CCFCF29806D1}" dt="2023-12-01T16:14:14.513" v="17" actId="368"/>
-        <pc:sldMkLst>
-          <pc:docMk/>
-          <pc:sldMk cId="868580765" sldId="364"/>
-        </pc:sldMkLst>
-      </pc:sldChg>
-      <pc:sldChg chg="modNotes">
-        <pc:chgData name="Christopher Berry" userId="468ae48a-5539-4b21-98ea-6081f4d86140" providerId="ADAL" clId="{5834FB69-916F-4CD0-BDFA-CCFCF29806D1}" dt="2023-12-01T16:14:14.520" v="19" actId="368"/>
-        <pc:sldMkLst>
-          <pc:docMk/>
-          <pc:sldMk cId="3319223748" sldId="366"/>
-        </pc:sldMkLst>
-      </pc:sldChg>
-      <pc:sldChg chg="modNotes">
-        <pc:chgData name="Christopher Berry" userId="468ae48a-5539-4b21-98ea-6081f4d86140" providerId="ADAL" clId="{5834FB69-916F-4CD0-BDFA-CCFCF29806D1}" dt="2023-12-01T16:14:14.523" v="21" actId="368"/>
-        <pc:sldMkLst>
-          <pc:docMk/>
-          <pc:sldMk cId="3483724441" sldId="367"/>
-        </pc:sldMkLst>
-      </pc:sldChg>
-      <pc:sldChg chg="modNotes">
-        <pc:chgData name="Christopher Berry" userId="468ae48a-5539-4b21-98ea-6081f4d86140" providerId="ADAL" clId="{5834FB69-916F-4CD0-BDFA-CCFCF29806D1}" dt="2023-12-01T16:14:14.527" v="23" actId="368"/>
+      <pc:sldChg chg="modSp">
+        <pc:chgData name="Christopher Berry" userId="468ae48a-5539-4b21-98ea-6081f4d86140" providerId="ADAL" clId="{D460026E-02E4-48A4-9EF6-513156A13840}" dt="2024-02-25T15:31:14.561" v="23" actId="20577"/>
         <pc:sldMkLst>
           <pc:docMk/>
           <pc:sldMk cId="1456163847" sldId="369"/>
         </pc:sldMkLst>
-      </pc:sldChg>
-      <pc:sldChg chg="modNotes">
-        <pc:chgData name="Christopher Berry" userId="468ae48a-5539-4b21-98ea-6081f4d86140" providerId="ADAL" clId="{5834FB69-916F-4CD0-BDFA-CCFCF29806D1}" dt="2023-12-01T16:14:14.503" v="9" actId="368"/>
-        <pc:sldMkLst>
-          <pc:docMk/>
-          <pc:sldMk cId="801254343" sldId="370"/>
-        </pc:sldMkLst>
-      </pc:sldChg>
-      <pc:sldChg chg="modNotes">
-        <pc:chgData name="Christopher Berry" userId="468ae48a-5539-4b21-98ea-6081f4d86140" providerId="ADAL" clId="{5834FB69-916F-4CD0-BDFA-CCFCF29806D1}" dt="2023-12-01T16:14:14.511" v="15" actId="368"/>
-        <pc:sldMkLst>
-          <pc:docMk/>
-          <pc:sldMk cId="4038527501" sldId="371"/>
-        </pc:sldMkLst>
-      </pc:sldChg>
-      <pc:sldChg chg="modNotes">
-        <pc:chgData name="Christopher Berry" userId="468ae48a-5539-4b21-98ea-6081f4d86140" providerId="ADAL" clId="{5834FB69-916F-4CD0-BDFA-CCFCF29806D1}" dt="2023-12-01T16:14:14.533" v="27" actId="368"/>
-        <pc:sldMkLst>
-          <pc:docMk/>
-          <pc:sldMk cId="1608245533" sldId="372"/>
-        </pc:sldMkLst>
-      </pc:sldChg>
-      <pc:sldChg chg="modNotes">
-        <pc:chgData name="Christopher Berry" userId="468ae48a-5539-4b21-98ea-6081f4d86140" providerId="ADAL" clId="{5834FB69-916F-4CD0-BDFA-CCFCF29806D1}" dt="2023-12-01T16:14:14.536" v="29" actId="368"/>
-        <pc:sldMkLst>
-          <pc:docMk/>
-          <pc:sldMk cId="807854647" sldId="373"/>
-        </pc:sldMkLst>
-      </pc:sldChg>
-      <pc:sldChg chg="modNotes">
-        <pc:chgData name="Christopher Berry" userId="468ae48a-5539-4b21-98ea-6081f4d86140" providerId="ADAL" clId="{5834FB69-916F-4CD0-BDFA-CCFCF29806D1}" dt="2023-12-01T16:14:14.539" v="31" actId="368"/>
-        <pc:sldMkLst>
-          <pc:docMk/>
-          <pc:sldMk cId="1022977136" sldId="374"/>
-        </pc:sldMkLst>
-      </pc:sldChg>
-      <pc:sldChg chg="modNotes">
-        <pc:chgData name="Christopher Berry" userId="468ae48a-5539-4b21-98ea-6081f4d86140" providerId="ADAL" clId="{5834FB69-916F-4CD0-BDFA-CCFCF29806D1}" dt="2023-12-01T16:14:14.542" v="33" actId="368"/>
-        <pc:sldMkLst>
-          <pc:docMk/>
-          <pc:sldMk cId="799028471" sldId="375"/>
-        </pc:sldMkLst>
-      </pc:sldChg>
-      <pc:sldChg chg="modNotes">
-        <pc:chgData name="Christopher Berry" userId="468ae48a-5539-4b21-98ea-6081f4d86140" providerId="ADAL" clId="{5834FB69-916F-4CD0-BDFA-CCFCF29806D1}" dt="2023-12-01T16:14:14.500" v="7" actId="368"/>
-        <pc:sldMkLst>
-          <pc:docMk/>
-          <pc:sldMk cId="2123990893" sldId="379"/>
-        </pc:sldMkLst>
-      </pc:sldChg>
-      <pc:sldChg chg="modNotes">
-        <pc:chgData name="Christopher Berry" userId="468ae48a-5539-4b21-98ea-6081f4d86140" providerId="ADAL" clId="{5834FB69-916F-4CD0-BDFA-CCFCF29806D1}" dt="2023-12-01T16:14:14.508" v="13" actId="368"/>
-        <pc:sldMkLst>
-          <pc:docMk/>
-          <pc:sldMk cId="2847794192" sldId="380"/>
-        </pc:sldMkLst>
-      </pc:sldChg>
-      <pc:sldChg chg="modNotes">
-        <pc:chgData name="Christopher Berry" userId="468ae48a-5539-4b21-98ea-6081f4d86140" providerId="ADAL" clId="{5834FB69-916F-4CD0-BDFA-CCFCF29806D1}" dt="2023-12-01T16:14:14.505" v="11" actId="368"/>
-        <pc:sldMkLst>
-          <pc:docMk/>
-          <pc:sldMk cId="1343114204" sldId="382"/>
-        </pc:sldMkLst>
-      </pc:sldChg>
-      <pc:sldChg chg="modNotes">
-        <pc:chgData name="Christopher Berry" userId="468ae48a-5539-4b21-98ea-6081f4d86140" providerId="ADAL" clId="{5834FB69-916F-4CD0-BDFA-CCFCF29806D1}" dt="2023-12-01T16:14:14.530" v="25" actId="368"/>
-        <pc:sldMkLst>
-          <pc:docMk/>
-          <pc:sldMk cId="1016740621" sldId="383"/>
-        </pc:sldMkLst>
-      </pc:sldChg>
-    </pc:docChg>
-  </pc:docChgLst>
-  <pc:docChgLst>
-    <pc:chgData name="Christopher Berry" userId="468ae48a-5539-4b21-98ea-6081f4d86140" providerId="ADAL" clId="{7DD1942C-6FDB-49C4-BCC2-3B77D9692BFF}"/>
-    <pc:docChg chg="modSld">
-      <pc:chgData name="Christopher Berry" userId="468ae48a-5539-4b21-98ea-6081f4d86140" providerId="ADAL" clId="{7DD1942C-6FDB-49C4-BCC2-3B77D9692BFF}" dt="2024-01-15T16:10:12.240" v="0"/>
-      <pc:docMkLst>
-        <pc:docMk/>
-      </pc:docMkLst>
-      <pc:sldChg chg="addSp modSp">
-        <pc:chgData name="Christopher Berry" userId="468ae48a-5539-4b21-98ea-6081f4d86140" providerId="ADAL" clId="{7DD1942C-6FDB-49C4-BCC2-3B77D9692BFF}" dt="2024-01-15T16:10:12.240" v="0"/>
-        <pc:sldMkLst>
-          <pc:docMk/>
-          <pc:sldMk cId="1337738250" sldId="257"/>
-        </pc:sldMkLst>
-        <pc:spChg chg="add mod">
-          <ac:chgData name="Christopher Berry" userId="468ae48a-5539-4b21-98ea-6081f4d86140" providerId="ADAL" clId="{7DD1942C-6FDB-49C4-BCC2-3B77D9692BFF}" dt="2024-01-15T16:10:12.240" v="0"/>
+        <pc:spChg chg="mod">
+          <ac:chgData name="Christopher Berry" userId="468ae48a-5539-4b21-98ea-6081f4d86140" providerId="ADAL" clId="{D460026E-02E4-48A4-9EF6-513156A13840}" dt="2024-02-25T15:31:14.561" v="23" actId="20577"/>
           <ac:spMkLst>
             <pc:docMk/>
-            <pc:sldMk cId="1337738250" sldId="257"/>
-            <ac:spMk id="5" creationId="{DB85E0F7-08AA-9327-62ED-F019B9822327}"/>
+            <pc:sldMk cId="1456163847" sldId="369"/>
+            <ac:spMk id="40" creationId="{00000000-0000-0000-0000-000000000000}"/>
           </ac:spMkLst>
         </pc:spChg>
-        <pc:spChg chg="add mod">
-          <ac:chgData name="Christopher Berry" userId="468ae48a-5539-4b21-98ea-6081f4d86140" providerId="ADAL" clId="{7DD1942C-6FDB-49C4-BCC2-3B77D9692BFF}" dt="2024-01-15T16:10:12.240" v="0"/>
-          <ac:spMkLst>
-            <pc:docMk/>
-            <pc:sldMk cId="1337738250" sldId="257"/>
-            <ac:spMk id="6" creationId="{61A605B1-693B-191F-DA7C-72B14EA31F3E}"/>
-          </ac:spMkLst>
-        </pc:spChg>
-        <pc:picChg chg="add mod">
-          <ac:chgData name="Christopher Berry" userId="468ae48a-5539-4b21-98ea-6081f4d86140" providerId="ADAL" clId="{7DD1942C-6FDB-49C4-BCC2-3B77D9692BFF}" dt="2024-01-15T16:10:12.240" v="0"/>
-          <ac:picMkLst>
-            <pc:docMk/>
-            <pc:sldMk cId="1337738250" sldId="257"/>
-            <ac:picMk id="7" creationId="{F112A1F0-CAD8-48C7-8DFE-B74C258F6FBD}"/>
-          </ac:picMkLst>
-        </pc:picChg>
-        <pc:picChg chg="add mod">
-          <ac:chgData name="Christopher Berry" userId="468ae48a-5539-4b21-98ea-6081f4d86140" providerId="ADAL" clId="{7DD1942C-6FDB-49C4-BCC2-3B77D9692BFF}" dt="2024-01-15T16:10:12.240" v="0"/>
-          <ac:picMkLst>
-            <pc:docMk/>
-            <pc:sldMk cId="1337738250" sldId="257"/>
-            <ac:picMk id="8" creationId="{5A2B9257-21A0-4B2C-7DFF-7F0161FCA9AF}"/>
-          </ac:picMkLst>
-        </pc:picChg>
       </pc:sldChg>
     </pc:docChg>
   </pc:docChgLst>
@@ -627,7 +651,7 @@
           <a:p>
             <a:fld id="{39F2F66B-899D-484E-9C99-E1DBE23F9DE9}" type="datetimeFigureOut">
               <a:rPr lang="en-GB" smtClean="0"/>
-              <a:t>15/01/2024</a:t>
+              <a:t>25/02/2024</a:t>
             </a:fld>
             <a:endParaRPr lang="en-GB"/>
           </a:p>
@@ -793,7 +817,7 @@
             <a:fld id="{2C09A945-60CF-41CC-BF14-DA645D9ABE0F}" type="datetimeFigureOut">
               <a:rPr lang="en-GB" smtClean="0"/>
               <a:pPr/>
-              <a:t>15/01/2024</a:t>
+              <a:t>25/02/2024</a:t>
             </a:fld>
             <a:endParaRPr lang="en-GB"/>
           </a:p>
@@ -2788,7 +2812,7 @@
             <a:fld id="{FD207E47-C1CA-47C9-BFA1-FDEFD1CE1BAA}" type="datetime1">
               <a:rPr lang="en-US" smtClean="0"/>
               <a:pPr/>
-              <a:t>1/15/2024</a:t>
+              <a:t>2/25/2024</a:t>
             </a:fld>
             <a:endParaRPr lang="en-US"/>
           </a:p>
@@ -2953,7 +2977,7 @@
             <a:fld id="{58C692B5-BE86-445D-88C0-242C83A9421E}" type="datetime1">
               <a:rPr lang="en-US" smtClean="0"/>
               <a:pPr/>
-              <a:t>1/15/2024</a:t>
+              <a:t>2/25/2024</a:t>
             </a:fld>
             <a:endParaRPr lang="en-US"/>
           </a:p>
@@ -3128,7 +3152,7 @@
             <a:fld id="{6A70B350-EB04-4702-A2C6-BB029CC917C4}" type="datetime1">
               <a:rPr lang="en-US" smtClean="0"/>
               <a:pPr/>
-              <a:t>1/15/2024</a:t>
+              <a:t>2/25/2024</a:t>
             </a:fld>
             <a:endParaRPr lang="en-US"/>
           </a:p>
@@ -3322,7 +3346,7 @@
               <a:pPr>
                 <a:defRPr/>
               </a:pPr>
-              <a:t>15/01/2024</a:t>
+              <a:t>25/02/2024</a:t>
             </a:fld>
             <a:endParaRPr lang="en-GB"/>
           </a:p>
@@ -3507,7 +3531,7 @@
               <a:pPr>
                 <a:defRPr/>
               </a:pPr>
-              <a:t>15/01/2024</a:t>
+              <a:t>25/02/2024</a:t>
             </a:fld>
             <a:endParaRPr lang="en-GB"/>
           </a:p>
@@ -3768,7 +3792,7 @@
               <a:pPr>
                 <a:defRPr/>
               </a:pPr>
-              <a:t>15/01/2024</a:t>
+              <a:t>25/02/2024</a:t>
             </a:fld>
             <a:endParaRPr lang="en-GB"/>
           </a:p>
@@ -4015,7 +4039,7 @@
               <a:pPr>
                 <a:defRPr/>
               </a:pPr>
-              <a:t>15/01/2024</a:t>
+              <a:t>25/02/2024</a:t>
             </a:fld>
             <a:endParaRPr lang="en-GB"/>
           </a:p>
@@ -4397,7 +4421,7 @@
               <a:pPr>
                 <a:defRPr/>
               </a:pPr>
-              <a:t>15/01/2024</a:t>
+              <a:t>25/02/2024</a:t>
             </a:fld>
             <a:endParaRPr lang="en-GB"/>
           </a:p>
@@ -4530,7 +4554,7 @@
               <a:pPr>
                 <a:defRPr/>
               </a:pPr>
-              <a:t>15/01/2024</a:t>
+              <a:t>25/02/2024</a:t>
             </a:fld>
             <a:endParaRPr lang="en-GB"/>
           </a:p>
@@ -4640,7 +4664,7 @@
               <a:pPr>
                 <a:defRPr/>
               </a:pPr>
-              <a:t>15/01/2024</a:t>
+              <a:t>25/02/2024</a:t>
             </a:fld>
             <a:endParaRPr lang="en-GB"/>
           </a:p>
@@ -4932,7 +4956,7 @@
               <a:pPr>
                 <a:defRPr/>
               </a:pPr>
-              <a:t>15/01/2024</a:t>
+              <a:t>25/02/2024</a:t>
             </a:fld>
             <a:endParaRPr lang="en-GB"/>
           </a:p>
@@ -5110,7 +5134,7 @@
             <a:fld id="{B19C5C7B-1CCF-4D03-A2E8-D3591213E0F6}" type="datetime1">
               <a:rPr lang="en-US" smtClean="0"/>
               <a:pPr/>
-              <a:t>1/15/2024</a:t>
+              <a:t>2/25/2024</a:t>
             </a:fld>
             <a:endParaRPr lang="en-US"/>
           </a:p>
@@ -5369,7 +5393,7 @@
               <a:pPr>
                 <a:defRPr/>
               </a:pPr>
-              <a:t>15/01/2024</a:t>
+              <a:t>25/02/2024</a:t>
             </a:fld>
             <a:endParaRPr lang="en-GB"/>
           </a:p>
@@ -5554,7 +5578,7 @@
               <a:pPr>
                 <a:defRPr/>
               </a:pPr>
-              <a:t>15/01/2024</a:t>
+              <a:t>25/02/2024</a:t>
             </a:fld>
             <a:endParaRPr lang="en-GB"/>
           </a:p>
@@ -5749,7 +5773,7 @@
               <a:pPr>
                 <a:defRPr/>
               </a:pPr>
-              <a:t>15/01/2024</a:t>
+              <a:t>25/02/2024</a:t>
             </a:fld>
             <a:endParaRPr lang="en-GB"/>
           </a:p>
@@ -6008,7 +6032,7 @@
               <a:pPr>
                 <a:defRPr/>
               </a:pPr>
-              <a:t>1/15/2024</a:t>
+              <a:t>2/25/2024</a:t>
             </a:fld>
             <a:endParaRPr lang="en-US"/>
           </a:p>
@@ -6203,7 +6227,7 @@
               <a:pPr>
                 <a:defRPr/>
               </a:pPr>
-              <a:t>1/15/2024</a:t>
+              <a:t>2/25/2024</a:t>
             </a:fld>
             <a:endParaRPr lang="en-US"/>
           </a:p>
@@ -6475,7 +6499,7 @@
               <a:pPr>
                 <a:defRPr/>
               </a:pPr>
-              <a:t>1/15/2024</a:t>
+              <a:t>2/25/2024</a:t>
             </a:fld>
             <a:endParaRPr lang="en-US"/>
           </a:p>
@@ -6787,7 +6811,7 @@
               <a:pPr>
                 <a:defRPr/>
               </a:pPr>
-              <a:t>1/15/2024</a:t>
+              <a:t>2/25/2024</a:t>
             </a:fld>
             <a:endParaRPr lang="en-US"/>
           </a:p>
@@ -7233,7 +7257,7 @@
               <a:pPr>
                 <a:defRPr/>
               </a:pPr>
-              <a:t>1/15/2024</a:t>
+              <a:t>2/25/2024</a:t>
             </a:fld>
             <a:endParaRPr lang="en-US"/>
           </a:p>
@@ -7377,7 +7401,7 @@
               <a:pPr>
                 <a:defRPr/>
               </a:pPr>
-              <a:t>1/15/2024</a:t>
+              <a:t>2/25/2024</a:t>
             </a:fld>
             <a:endParaRPr lang="en-US"/>
           </a:p>
@@ -7499,7 +7523,7 @@
               <a:pPr>
                 <a:defRPr/>
               </a:pPr>
-              <a:t>1/15/2024</a:t>
+              <a:t>2/25/2024</a:t>
             </a:fld>
             <a:endParaRPr lang="en-US"/>
           </a:p>
@@ -7762,7 +7786,7 @@
             <a:fld id="{617DE08F-8114-45C2-9520-EC1882F8A669}" type="datetime1">
               <a:rPr lang="en-US" smtClean="0"/>
               <a:pPr/>
-              <a:t>1/15/2024</a:t>
+              <a:t>2/25/2024</a:t>
             </a:fld>
             <a:endParaRPr lang="en-US"/>
           </a:p>
@@ -8043,7 +8067,7 @@
               <a:pPr>
                 <a:defRPr/>
               </a:pPr>
-              <a:t>1/15/2024</a:t>
+              <a:t>2/25/2024</a:t>
             </a:fld>
             <a:endParaRPr lang="en-US"/>
           </a:p>
@@ -8325,7 +8349,7 @@
               <a:pPr>
                 <a:defRPr/>
               </a:pPr>
-              <a:t>1/15/2024</a:t>
+              <a:t>2/25/2024</a:t>
             </a:fld>
             <a:endParaRPr lang="en-US"/>
           </a:p>
@@ -8520,7 +8544,7 @@
               <a:pPr>
                 <a:defRPr/>
               </a:pPr>
-              <a:t>1/15/2024</a:t>
+              <a:t>2/25/2024</a:t>
             </a:fld>
             <a:endParaRPr lang="en-US"/>
           </a:p>
@@ -8725,7 +8749,7 @@
               <a:pPr>
                 <a:defRPr/>
               </a:pPr>
-              <a:t>1/15/2024</a:t>
+              <a:t>2/25/2024</a:t>
             </a:fld>
             <a:endParaRPr lang="en-US"/>
           </a:p>
@@ -9028,7 +9052,7 @@
             <a:fld id="{67FBBCEA-51D6-4D4F-B700-EBDD8904452C}" type="datetime1">
               <a:rPr lang="en-US" smtClean="0"/>
               <a:pPr/>
-              <a:t>1/15/2024</a:t>
+              <a:t>2/25/2024</a:t>
             </a:fld>
             <a:endParaRPr lang="en-US"/>
           </a:p>
@@ -9444,7 +9468,7 @@
             <a:fld id="{7C3355C0-4DE2-42D1-B918-7B0FCE7481FD}" type="datetime1">
               <a:rPr lang="en-US" smtClean="0"/>
               <a:pPr/>
-              <a:t>1/15/2024</a:t>
+              <a:t>2/25/2024</a:t>
             </a:fld>
             <a:endParaRPr lang="en-US"/>
           </a:p>
@@ -9558,7 +9582,7 @@
             <a:fld id="{41F9056E-53B5-467C-A68C-D5DD1F771BB5}" type="datetime1">
               <a:rPr lang="en-US" smtClean="0"/>
               <a:pPr/>
-              <a:t>1/15/2024</a:t>
+              <a:t>2/25/2024</a:t>
             </a:fld>
             <a:endParaRPr lang="en-US"/>
           </a:p>
@@ -9650,7 +9674,7 @@
             <a:fld id="{73236B7C-1414-4D49-8A59-8F56128C501B}" type="datetime1">
               <a:rPr lang="en-US" smtClean="0"/>
               <a:pPr/>
-              <a:t>1/15/2024</a:t>
+              <a:t>2/25/2024</a:t>
             </a:fld>
             <a:endParaRPr lang="en-US"/>
           </a:p>
@@ -9922,7 +9946,7 @@
             <a:fld id="{A40AEADC-23C0-4767-9AD7-3E7B6C343A0A}" type="datetime1">
               <a:rPr lang="en-US" smtClean="0"/>
               <a:pPr/>
-              <a:t>1/15/2024</a:t>
+              <a:t>2/25/2024</a:t>
             </a:fld>
             <a:endParaRPr lang="en-US"/>
           </a:p>
@@ -10171,7 +10195,7 @@
             <a:fld id="{07762B3B-4AFD-4E39-B6F8-E1A2354BA336}" type="datetime1">
               <a:rPr lang="en-US" smtClean="0"/>
               <a:pPr/>
-              <a:t>1/15/2024</a:t>
+              <a:t>2/25/2024</a:t>
             </a:fld>
             <a:endParaRPr lang="en-US"/>
           </a:p>
@@ -10384,7 +10408,7 @@
             <a:fld id="{16C4ABC6-3BA1-4854-92CA-2B0133ECAB44}" type="datetime1">
               <a:rPr lang="en-US" smtClean="0"/>
               <a:pPr/>
-              <a:t>1/15/2024</a:t>
+              <a:t>2/25/2024</a:t>
             </a:fld>
             <a:endParaRPr lang="en-US"/>
           </a:p>
@@ -10902,7 +10926,7 @@
               <a:pPr>
                 <a:defRPr/>
               </a:pPr>
-              <a:t>1/15/2024</a:t>
+              <a:t>2/25/2024</a:t>
             </a:fld>
             <a:endParaRPr lang="en-US"/>
           </a:p>
@@ -11512,7 +11536,7 @@
               <a:pPr>
                 <a:defRPr/>
               </a:pPr>
-              <a:t>1/15/2024</a:t>
+              <a:t>2/25/2024</a:t>
             </a:fld>
             <a:endParaRPr lang="en-US"/>
           </a:p>
@@ -12212,7 +12236,7 @@
           <p:cNvPr id="5" name="Content Placeholder 2">
             <a:extLst>
               <a:ext uri="{FF2B5EF4-FFF2-40B4-BE49-F238E27FC236}">
-                <a16:creationId xmlns:a16="http://schemas.microsoft.com/office/drawing/2014/main" id="{DB85E0F7-08AA-9327-62ED-F019B9822327}"/>
+                <a16:creationId xmlns:a16="http://schemas.microsoft.com/office/drawing/2014/main" id="{00A8BD08-82BF-96EB-0E68-AB104172ABC4}"/>
               </a:ext>
             </a:extLst>
           </p:cNvPr>
@@ -12644,7 +12668,7 @@
           <p:cNvPr id="6" name="Rectangle 5">
             <a:extLst>
               <a:ext uri="{FF2B5EF4-FFF2-40B4-BE49-F238E27FC236}">
-                <a16:creationId xmlns:a16="http://schemas.microsoft.com/office/drawing/2014/main" id="{61A605B1-693B-191F-DA7C-72B14EA31F3E}"/>
+                <a16:creationId xmlns:a16="http://schemas.microsoft.com/office/drawing/2014/main" id="{09586471-FF90-0962-3A82-C3D808438B7A}"/>
               </a:ext>
             </a:extLst>
           </p:cNvPr>
@@ -12892,7 +12916,7 @@
           <p:cNvPr id="7" name="Picture 6">
             <a:extLst>
               <a:ext uri="{FF2B5EF4-FFF2-40B4-BE49-F238E27FC236}">
-                <a16:creationId xmlns:a16="http://schemas.microsoft.com/office/drawing/2014/main" id="{F112A1F0-CAD8-48C7-8DFE-B74C258F6FBD}"/>
+                <a16:creationId xmlns:a16="http://schemas.microsoft.com/office/drawing/2014/main" id="{0F585AC4-CE17-A4E7-3545-7BAD6CAD7504}"/>
               </a:ext>
             </a:extLst>
           </p:cNvPr>
@@ -12927,7 +12951,7 @@
           <p:cNvPr id="8" name="Picture 7">
             <a:extLst>
               <a:ext uri="{FF2B5EF4-FFF2-40B4-BE49-F238E27FC236}">
-                <a16:creationId xmlns:a16="http://schemas.microsoft.com/office/drawing/2014/main" id="{5A2B9257-21A0-4B2C-7DFF-7F0161FCA9AF}"/>
+                <a16:creationId xmlns:a16="http://schemas.microsoft.com/office/drawing/2014/main" id="{9D456CD1-CDE2-86B8-C62E-E3E107C6B92A}"/>
               </a:ext>
             </a:extLst>
           </p:cNvPr>
@@ -16244,7 +16268,15 @@
             </a:r>
             <a:r>
               <a:rPr lang="en-GB" sz="2000" dirty="0"/>
-              <a:t> associated with the addition of worry to the model is therefore</a:t>
+              <a:t> associated with the addition of </a:t>
+            </a:r>
+            <a:r>
+              <a:rPr lang="en-GB" sz="2000"/>
+              <a:t>emotional intelligence </a:t>
+            </a:r>
+            <a:r>
+              <a:rPr lang="en-GB" sz="2000" dirty="0"/>
+              <a:t>to the model is therefore</a:t>
             </a:r>
           </a:p>
           <a:p>
